--- a/machinlearning(pdf)/Decision_Tree.pptx
+++ b/machinlearning(pdf)/Decision_Tree.pptx
@@ -6,15 +6,37 @@
   </p:sldMasterIdLst>
   <p:sldIdLst>
     <p:sldId id="256" r:id="rId2"/>
-    <p:sldId id="259" r:id="rId3"/>
-    <p:sldId id="260" r:id="rId4"/>
-    <p:sldId id="258" r:id="rId5"/>
-    <p:sldId id="265" r:id="rId6"/>
-    <p:sldId id="266" r:id="rId7"/>
-    <p:sldId id="279" r:id="rId8"/>
-    <p:sldId id="274" r:id="rId9"/>
-    <p:sldId id="273" r:id="rId10"/>
-    <p:sldId id="275" r:id="rId11"/>
+    <p:sldId id="277" r:id="rId3"/>
+    <p:sldId id="278" r:id="rId4"/>
+    <p:sldId id="279" r:id="rId5"/>
+    <p:sldId id="280" r:id="rId6"/>
+    <p:sldId id="274" r:id="rId7"/>
+    <p:sldId id="259" r:id="rId8"/>
+    <p:sldId id="260" r:id="rId9"/>
+    <p:sldId id="258" r:id="rId10"/>
+    <p:sldId id="265" r:id="rId11"/>
+    <p:sldId id="268" r:id="rId12"/>
+    <p:sldId id="293" r:id="rId13"/>
+    <p:sldId id="292" r:id="rId14"/>
+    <p:sldId id="295" r:id="rId15"/>
+    <p:sldId id="294" r:id="rId16"/>
+    <p:sldId id="283" r:id="rId17"/>
+    <p:sldId id="284" r:id="rId18"/>
+    <p:sldId id="299" r:id="rId19"/>
+    <p:sldId id="291" r:id="rId20"/>
+    <p:sldId id="281" r:id="rId21"/>
+    <p:sldId id="282" r:id="rId22"/>
+    <p:sldId id="285" r:id="rId23"/>
+    <p:sldId id="296" r:id="rId24"/>
+    <p:sldId id="297" r:id="rId25"/>
+    <p:sldId id="275" r:id="rId26"/>
+    <p:sldId id="273" r:id="rId27"/>
+    <p:sldId id="276" r:id="rId28"/>
+    <p:sldId id="286" r:id="rId29"/>
+    <p:sldId id="287" r:id="rId30"/>
+    <p:sldId id="289" r:id="rId31"/>
+    <p:sldId id="290" r:id="rId32"/>
+    <p:sldId id="288" r:id="rId33"/>
   </p:sldIdLst>
   <p:sldSz cx="9144000" cy="6858000" type="screen4x3"/>
   <p:notesSz cx="6858000" cy="9144000"/>
@@ -311,7 +333,7 @@
           <a:p>
             <a:fld id="{CB3B6F8D-9AA1-42DE-964E-947DA10B813A}" type="datetimeFigureOut">
               <a:rPr lang="ko-KR" altLang="en-US" smtClean="0"/>
-              <a:t>2021-04-15</a:t>
+              <a:t>2019-05-28</a:t>
             </a:fld>
             <a:endParaRPr lang="ko-KR" altLang="en-US"/>
           </a:p>
@@ -479,7 +501,7 @@
           <a:p>
             <a:fld id="{CB3B6F8D-9AA1-42DE-964E-947DA10B813A}" type="datetimeFigureOut">
               <a:rPr lang="ko-KR" altLang="en-US" smtClean="0"/>
-              <a:t>2021-04-15</a:t>
+              <a:t>2019-05-28</a:t>
             </a:fld>
             <a:endParaRPr lang="ko-KR" altLang="en-US"/>
           </a:p>
@@ -657,7 +679,7 @@
           <a:p>
             <a:fld id="{CB3B6F8D-9AA1-42DE-964E-947DA10B813A}" type="datetimeFigureOut">
               <a:rPr lang="ko-KR" altLang="en-US" smtClean="0"/>
-              <a:t>2021-04-15</a:t>
+              <a:t>2019-05-28</a:t>
             </a:fld>
             <a:endParaRPr lang="ko-KR" altLang="en-US"/>
           </a:p>
@@ -825,7 +847,7 @@
           <a:p>
             <a:fld id="{CB3B6F8D-9AA1-42DE-964E-947DA10B813A}" type="datetimeFigureOut">
               <a:rPr lang="ko-KR" altLang="en-US" smtClean="0"/>
-              <a:t>2021-04-15</a:t>
+              <a:t>2019-05-28</a:t>
             </a:fld>
             <a:endParaRPr lang="ko-KR" altLang="en-US"/>
           </a:p>
@@ -1070,7 +1092,7 @@
           <a:p>
             <a:fld id="{CB3B6F8D-9AA1-42DE-964E-947DA10B813A}" type="datetimeFigureOut">
               <a:rPr lang="ko-KR" altLang="en-US" smtClean="0"/>
-              <a:t>2021-04-15</a:t>
+              <a:t>2019-05-28</a:t>
             </a:fld>
             <a:endParaRPr lang="ko-KR" altLang="en-US"/>
           </a:p>
@@ -1355,7 +1377,7 @@
           <a:p>
             <a:fld id="{CB3B6F8D-9AA1-42DE-964E-947DA10B813A}" type="datetimeFigureOut">
               <a:rPr lang="ko-KR" altLang="en-US" smtClean="0"/>
-              <a:t>2021-04-15</a:t>
+              <a:t>2019-05-28</a:t>
             </a:fld>
             <a:endParaRPr lang="ko-KR" altLang="en-US"/>
           </a:p>
@@ -1774,7 +1796,7 @@
           <a:p>
             <a:fld id="{CB3B6F8D-9AA1-42DE-964E-947DA10B813A}" type="datetimeFigureOut">
               <a:rPr lang="ko-KR" altLang="en-US" smtClean="0"/>
-              <a:t>2021-04-15</a:t>
+              <a:t>2019-05-28</a:t>
             </a:fld>
             <a:endParaRPr lang="ko-KR" altLang="en-US"/>
           </a:p>
@@ -1891,7 +1913,7 @@
           <a:p>
             <a:fld id="{CB3B6F8D-9AA1-42DE-964E-947DA10B813A}" type="datetimeFigureOut">
               <a:rPr lang="ko-KR" altLang="en-US" smtClean="0"/>
-              <a:t>2021-04-15</a:t>
+              <a:t>2019-05-28</a:t>
             </a:fld>
             <a:endParaRPr lang="ko-KR" altLang="en-US"/>
           </a:p>
@@ -1986,7 +2008,7 @@
           <a:p>
             <a:fld id="{CB3B6F8D-9AA1-42DE-964E-947DA10B813A}" type="datetimeFigureOut">
               <a:rPr lang="ko-KR" altLang="en-US" smtClean="0"/>
-              <a:t>2021-04-15</a:t>
+              <a:t>2019-05-28</a:t>
             </a:fld>
             <a:endParaRPr lang="ko-KR" altLang="en-US"/>
           </a:p>
@@ -2261,7 +2283,7 @@
           <a:p>
             <a:fld id="{CB3B6F8D-9AA1-42DE-964E-947DA10B813A}" type="datetimeFigureOut">
               <a:rPr lang="ko-KR" altLang="en-US" smtClean="0"/>
-              <a:t>2021-04-15</a:t>
+              <a:t>2019-05-28</a:t>
             </a:fld>
             <a:endParaRPr lang="ko-KR" altLang="en-US"/>
           </a:p>
@@ -2513,7 +2535,7 @@
           <a:p>
             <a:fld id="{CB3B6F8D-9AA1-42DE-964E-947DA10B813A}" type="datetimeFigureOut">
               <a:rPr lang="ko-KR" altLang="en-US" smtClean="0"/>
-              <a:t>2021-04-15</a:t>
+              <a:t>2019-05-28</a:t>
             </a:fld>
             <a:endParaRPr lang="ko-KR" altLang="en-US"/>
           </a:p>
@@ -2724,7 +2746,7 @@
           <a:p>
             <a:fld id="{CB3B6F8D-9AA1-42DE-964E-947DA10B813A}" type="datetimeFigureOut">
               <a:rPr lang="ko-KR" altLang="en-US" smtClean="0"/>
-              <a:t>2021-04-15</a:t>
+              <a:t>2019-05-28</a:t>
             </a:fld>
             <a:endParaRPr lang="ko-KR" altLang="en-US"/>
           </a:p>
@@ -3170,6 +3192,1134 @@
       </p:grpSpPr>
       <p:pic>
         <p:nvPicPr>
+          <p:cNvPr id="2" name="Picture 3"/>
+          <p:cNvPicPr>
+            <a:picLocks noChangeAspect="1" noChangeArrowheads="1"/>
+          </p:cNvPicPr>
+          <p:nvPr/>
+        </p:nvPicPr>
+        <p:blipFill rotWithShape="1">
+          <a:blip r:embed="rId2">
+            <a:extLst>
+              <a:ext uri="{28A0092B-C50C-407E-A947-70E740481C1C}">
+                <a14:useLocalDpi xmlns:a14="http://schemas.microsoft.com/office/drawing/2010/main" val="0"/>
+              </a:ext>
+            </a:extLst>
+          </a:blip>
+          <a:srcRect t="19739"/>
+          <a:stretch/>
+        </p:blipFill>
+        <p:spPr bwMode="auto">
+          <a:xfrm>
+            <a:off x="171450" y="2071396"/>
+            <a:ext cx="8801100" cy="3600742"/>
+          </a:xfrm>
+          <a:prstGeom prst="rect">
+            <a:avLst/>
+          </a:prstGeom>
+          <a:noFill/>
+          <a:ln>
+            <a:noFill/>
+          </a:ln>
+          <a:extLst>
+            <a:ext uri="{909E8E84-426E-40DD-AFC4-6F175D3DCCD1}">
+              <a14:hiddenFill xmlns:a14="http://schemas.microsoft.com/office/drawing/2010/main">
+                <a:solidFill>
+                  <a:schemeClr val="accent1"/>
+                </a:solidFill>
+              </a14:hiddenFill>
+            </a:ext>
+            <a:ext uri="{91240B29-F687-4F45-9708-019B960494DF}">
+              <a14:hiddenLine xmlns:a14="http://schemas.microsoft.com/office/drawing/2010/main" w="9525">
+                <a:solidFill>
+                  <a:schemeClr val="tx1"/>
+                </a:solidFill>
+                <a:miter lim="800000"/>
+                <a:headEnd/>
+                <a:tailEnd/>
+              </a14:hiddenLine>
+            </a:ext>
+          </a:extLst>
+        </p:spPr>
+      </p:pic>
+    </p:spTree>
+    <p:extLst>
+      <p:ext uri="{BB962C8B-B14F-4D97-AF65-F5344CB8AC3E}">
+        <p14:creationId xmlns:p14="http://schemas.microsoft.com/office/powerpoint/2010/main" val="2272248855"/>
+      </p:ext>
+    </p:extLst>
+  </p:cSld>
+  <p:clrMapOvr>
+    <a:masterClrMapping/>
+  </p:clrMapOvr>
+</p:sld>
+</file>
+
+<file path=ppt/slides/slide11.xml><?xml version="1.0" encoding="utf-8"?>
+<p:sld xmlns:a="http://schemas.openxmlformats.org/drawingml/2006/main" xmlns:r="http://schemas.openxmlformats.org/officeDocument/2006/relationships" xmlns:p="http://schemas.openxmlformats.org/presentationml/2006/main">
+  <p:cSld>
+    <p:spTree>
+      <p:nvGrpSpPr>
+        <p:cNvPr id="1" name=""/>
+        <p:cNvGrpSpPr/>
+        <p:nvPr/>
+      </p:nvGrpSpPr>
+      <p:grpSpPr>
+        <a:xfrm>
+          <a:off x="0" y="0"/>
+          <a:ext cx="0" cy="0"/>
+          <a:chOff x="0" y="0"/>
+          <a:chExt cx="0" cy="0"/>
+        </a:xfrm>
+      </p:grpSpPr>
+      <p:pic>
+        <p:nvPicPr>
+          <p:cNvPr id="2" name="그림 1">
+            <a:extLst>
+              <a:ext uri="{FF2B5EF4-FFF2-40B4-BE49-F238E27FC236}">
+                <a16:creationId xmlns:a16="http://schemas.microsoft.com/office/drawing/2014/main" id="{80A940F2-FE38-464A-9ECD-5CBB15890C71}"/>
+              </a:ext>
+            </a:extLst>
+          </p:cNvPr>
+          <p:cNvPicPr>
+            <a:picLocks noChangeAspect="1"/>
+          </p:cNvPicPr>
+          <p:nvPr/>
+        </p:nvPicPr>
+        <p:blipFill>
+          <a:blip r:embed="rId2"/>
+          <a:stretch>
+            <a:fillRect/>
+          </a:stretch>
+        </p:blipFill>
+        <p:spPr>
+          <a:xfrm>
+            <a:off x="539552" y="1171373"/>
+            <a:ext cx="8019566" cy="4489875"/>
+          </a:xfrm>
+          <a:prstGeom prst="rect">
+            <a:avLst/>
+          </a:prstGeom>
+        </p:spPr>
+      </p:pic>
+    </p:spTree>
+    <p:extLst>
+      <p:ext uri="{BB962C8B-B14F-4D97-AF65-F5344CB8AC3E}">
+        <p14:creationId xmlns:p14="http://schemas.microsoft.com/office/powerpoint/2010/main" val="547023094"/>
+      </p:ext>
+    </p:extLst>
+  </p:cSld>
+  <p:clrMapOvr>
+    <a:masterClrMapping/>
+  </p:clrMapOvr>
+</p:sld>
+</file>
+
+<file path=ppt/slides/slide12.xml><?xml version="1.0" encoding="utf-8"?>
+<p:sld xmlns:a="http://schemas.openxmlformats.org/drawingml/2006/main" xmlns:r="http://schemas.openxmlformats.org/officeDocument/2006/relationships" xmlns:p="http://schemas.openxmlformats.org/presentationml/2006/main">
+  <p:cSld>
+    <p:spTree>
+      <p:nvGrpSpPr>
+        <p:cNvPr id="1" name=""/>
+        <p:cNvGrpSpPr/>
+        <p:nvPr/>
+      </p:nvGrpSpPr>
+      <p:grpSpPr>
+        <a:xfrm>
+          <a:off x="0" y="0"/>
+          <a:ext cx="0" cy="0"/>
+          <a:chOff x="0" y="0"/>
+          <a:chExt cx="0" cy="0"/>
+        </a:xfrm>
+      </p:grpSpPr>
+      <p:pic>
+        <p:nvPicPr>
+          <p:cNvPr id="2" name="그림 1">
+            <a:extLst>
+              <a:ext uri="{FF2B5EF4-FFF2-40B4-BE49-F238E27FC236}">
+                <a16:creationId xmlns:a16="http://schemas.microsoft.com/office/drawing/2014/main" id="{7E5C7F4D-02AE-46DE-A8D2-5A5F041CC5A8}"/>
+              </a:ext>
+            </a:extLst>
+          </p:cNvPr>
+          <p:cNvPicPr>
+            <a:picLocks noChangeAspect="1"/>
+          </p:cNvPicPr>
+          <p:nvPr/>
+        </p:nvPicPr>
+        <p:blipFill>
+          <a:blip r:embed="rId2"/>
+          <a:stretch>
+            <a:fillRect/>
+          </a:stretch>
+        </p:blipFill>
+        <p:spPr>
+          <a:xfrm>
+            <a:off x="539552" y="1272516"/>
+            <a:ext cx="7920880" cy="4235949"/>
+          </a:xfrm>
+          <a:prstGeom prst="rect">
+            <a:avLst/>
+          </a:prstGeom>
+        </p:spPr>
+      </p:pic>
+    </p:spTree>
+    <p:extLst>
+      <p:ext uri="{BB962C8B-B14F-4D97-AF65-F5344CB8AC3E}">
+        <p14:creationId xmlns:p14="http://schemas.microsoft.com/office/powerpoint/2010/main" val="1380928467"/>
+      </p:ext>
+    </p:extLst>
+  </p:cSld>
+  <p:clrMapOvr>
+    <a:masterClrMapping/>
+  </p:clrMapOvr>
+</p:sld>
+</file>
+
+<file path=ppt/slides/slide13.xml><?xml version="1.0" encoding="utf-8"?>
+<p:sld xmlns:a="http://schemas.openxmlformats.org/drawingml/2006/main" xmlns:r="http://schemas.openxmlformats.org/officeDocument/2006/relationships" xmlns:p="http://schemas.openxmlformats.org/presentationml/2006/main">
+  <p:cSld>
+    <p:spTree>
+      <p:nvGrpSpPr>
+        <p:cNvPr id="1" name=""/>
+        <p:cNvGrpSpPr/>
+        <p:nvPr/>
+      </p:nvGrpSpPr>
+      <p:grpSpPr>
+        <a:xfrm>
+          <a:off x="0" y="0"/>
+          <a:ext cx="0" cy="0"/>
+          <a:chOff x="0" y="0"/>
+          <a:chExt cx="0" cy="0"/>
+        </a:xfrm>
+      </p:grpSpPr>
+      <p:pic>
+        <p:nvPicPr>
+          <p:cNvPr id="2" name="그림 1">
+            <a:extLst>
+              <a:ext uri="{FF2B5EF4-FFF2-40B4-BE49-F238E27FC236}">
+                <a16:creationId xmlns:a16="http://schemas.microsoft.com/office/drawing/2014/main" id="{1BFE2B4E-992F-4437-9F27-1DD23B88902D}"/>
+              </a:ext>
+            </a:extLst>
+          </p:cNvPr>
+          <p:cNvPicPr>
+            <a:picLocks noChangeAspect="1"/>
+          </p:cNvPicPr>
+          <p:nvPr/>
+        </p:nvPicPr>
+        <p:blipFill>
+          <a:blip r:embed="rId2"/>
+          <a:stretch>
+            <a:fillRect/>
+          </a:stretch>
+        </p:blipFill>
+        <p:spPr>
+          <a:xfrm>
+            <a:off x="395536" y="1258975"/>
+            <a:ext cx="8208912" cy="4265222"/>
+          </a:xfrm>
+          <a:prstGeom prst="rect">
+            <a:avLst/>
+          </a:prstGeom>
+        </p:spPr>
+      </p:pic>
+    </p:spTree>
+    <p:extLst>
+      <p:ext uri="{BB962C8B-B14F-4D97-AF65-F5344CB8AC3E}">
+        <p14:creationId xmlns:p14="http://schemas.microsoft.com/office/powerpoint/2010/main" val="3590931533"/>
+      </p:ext>
+    </p:extLst>
+  </p:cSld>
+  <p:clrMapOvr>
+    <a:masterClrMapping/>
+  </p:clrMapOvr>
+</p:sld>
+</file>
+
+<file path=ppt/slides/slide14.xml><?xml version="1.0" encoding="utf-8"?>
+<p:sld xmlns:a="http://schemas.openxmlformats.org/drawingml/2006/main" xmlns:r="http://schemas.openxmlformats.org/officeDocument/2006/relationships" xmlns:p="http://schemas.openxmlformats.org/presentationml/2006/main">
+  <p:cSld>
+    <p:spTree>
+      <p:nvGrpSpPr>
+        <p:cNvPr id="1" name=""/>
+        <p:cNvGrpSpPr/>
+        <p:nvPr/>
+      </p:nvGrpSpPr>
+      <p:grpSpPr>
+        <a:xfrm>
+          <a:off x="0" y="0"/>
+          <a:ext cx="0" cy="0"/>
+          <a:chOff x="0" y="0"/>
+          <a:chExt cx="0" cy="0"/>
+        </a:xfrm>
+      </p:grpSpPr>
+      <p:pic>
+        <p:nvPicPr>
+          <p:cNvPr id="2" name="그림 1">
+            <a:extLst>
+              <a:ext uri="{FF2B5EF4-FFF2-40B4-BE49-F238E27FC236}">
+                <a16:creationId xmlns:a16="http://schemas.microsoft.com/office/drawing/2014/main" id="{BBEADA71-1D18-4ECE-AC1E-9F978C0D0A67}"/>
+              </a:ext>
+            </a:extLst>
+          </p:cNvPr>
+          <p:cNvPicPr>
+            <a:picLocks noChangeAspect="1"/>
+          </p:cNvPicPr>
+          <p:nvPr/>
+        </p:nvPicPr>
+        <p:blipFill>
+          <a:blip r:embed="rId2"/>
+          <a:stretch>
+            <a:fillRect/>
+          </a:stretch>
+        </p:blipFill>
+        <p:spPr>
+          <a:xfrm>
+            <a:off x="611560" y="1582805"/>
+            <a:ext cx="7976683" cy="3718403"/>
+          </a:xfrm>
+          <a:prstGeom prst="rect">
+            <a:avLst/>
+          </a:prstGeom>
+        </p:spPr>
+      </p:pic>
+    </p:spTree>
+    <p:extLst>
+      <p:ext uri="{BB962C8B-B14F-4D97-AF65-F5344CB8AC3E}">
+        <p14:creationId xmlns:p14="http://schemas.microsoft.com/office/powerpoint/2010/main" val="516150547"/>
+      </p:ext>
+    </p:extLst>
+  </p:cSld>
+  <p:clrMapOvr>
+    <a:masterClrMapping/>
+  </p:clrMapOvr>
+</p:sld>
+</file>
+
+<file path=ppt/slides/slide15.xml><?xml version="1.0" encoding="utf-8"?>
+<p:sld xmlns:a="http://schemas.openxmlformats.org/drawingml/2006/main" xmlns:r="http://schemas.openxmlformats.org/officeDocument/2006/relationships" xmlns:p="http://schemas.openxmlformats.org/presentationml/2006/main">
+  <p:cSld>
+    <p:spTree>
+      <p:nvGrpSpPr>
+        <p:cNvPr id="1" name=""/>
+        <p:cNvGrpSpPr/>
+        <p:nvPr/>
+      </p:nvGrpSpPr>
+      <p:grpSpPr>
+        <a:xfrm>
+          <a:off x="0" y="0"/>
+          <a:ext cx="0" cy="0"/>
+          <a:chOff x="0" y="0"/>
+          <a:chExt cx="0" cy="0"/>
+        </a:xfrm>
+      </p:grpSpPr>
+      <p:pic>
+        <p:nvPicPr>
+          <p:cNvPr id="2" name="그림 1">
+            <a:extLst>
+              <a:ext uri="{FF2B5EF4-FFF2-40B4-BE49-F238E27FC236}">
+                <a16:creationId xmlns:a16="http://schemas.microsoft.com/office/drawing/2014/main" id="{993371BA-CB94-4A4B-A1E8-9FAC7B873ED1}"/>
+              </a:ext>
+            </a:extLst>
+          </p:cNvPr>
+          <p:cNvPicPr>
+            <a:picLocks noChangeAspect="1"/>
+          </p:cNvPicPr>
+          <p:nvPr/>
+        </p:nvPicPr>
+        <p:blipFill>
+          <a:blip r:embed="rId2"/>
+          <a:stretch>
+            <a:fillRect/>
+          </a:stretch>
+        </p:blipFill>
+        <p:spPr>
+          <a:xfrm>
+            <a:off x="683568" y="1556792"/>
+            <a:ext cx="7523435" cy="4034801"/>
+          </a:xfrm>
+          <a:prstGeom prst="rect">
+            <a:avLst/>
+          </a:prstGeom>
+        </p:spPr>
+      </p:pic>
+    </p:spTree>
+    <p:extLst>
+      <p:ext uri="{BB962C8B-B14F-4D97-AF65-F5344CB8AC3E}">
+        <p14:creationId xmlns:p14="http://schemas.microsoft.com/office/powerpoint/2010/main" val="4292467433"/>
+      </p:ext>
+    </p:extLst>
+  </p:cSld>
+  <p:clrMapOvr>
+    <a:masterClrMapping/>
+  </p:clrMapOvr>
+</p:sld>
+</file>
+
+<file path=ppt/slides/slide16.xml><?xml version="1.0" encoding="utf-8"?>
+<p:sld xmlns:a="http://schemas.openxmlformats.org/drawingml/2006/main" xmlns:r="http://schemas.openxmlformats.org/officeDocument/2006/relationships" xmlns:p="http://schemas.openxmlformats.org/presentationml/2006/main">
+  <p:cSld>
+    <p:spTree>
+      <p:nvGrpSpPr>
+        <p:cNvPr id="1" name=""/>
+        <p:cNvGrpSpPr/>
+        <p:nvPr/>
+      </p:nvGrpSpPr>
+      <p:grpSpPr>
+        <a:xfrm>
+          <a:off x="0" y="0"/>
+          <a:ext cx="0" cy="0"/>
+          <a:chOff x="0" y="0"/>
+          <a:chExt cx="0" cy="0"/>
+        </a:xfrm>
+      </p:grpSpPr>
+      <p:pic>
+        <p:nvPicPr>
+          <p:cNvPr id="3074" name="Picture 2"/>
+          <p:cNvPicPr>
+            <a:picLocks noChangeAspect="1" noChangeArrowheads="1"/>
+          </p:cNvPicPr>
+          <p:nvPr/>
+        </p:nvPicPr>
+        <p:blipFill>
+          <a:blip r:embed="rId2">
+            <a:extLst>
+              <a:ext uri="{28A0092B-C50C-407E-A947-70E740481C1C}">
+                <a14:useLocalDpi xmlns:a14="http://schemas.microsoft.com/office/drawing/2010/main" val="0"/>
+              </a:ext>
+            </a:extLst>
+          </a:blip>
+          <a:srcRect/>
+          <a:stretch>
+            <a:fillRect/>
+          </a:stretch>
+        </p:blipFill>
+        <p:spPr bwMode="auto">
+          <a:xfrm>
+            <a:off x="528638" y="1395413"/>
+            <a:ext cx="8086725" cy="4067175"/>
+          </a:xfrm>
+          <a:prstGeom prst="rect">
+            <a:avLst/>
+          </a:prstGeom>
+          <a:noFill/>
+          <a:ln>
+            <a:noFill/>
+          </a:ln>
+          <a:extLst>
+            <a:ext uri="{909E8E84-426E-40DD-AFC4-6F175D3DCCD1}">
+              <a14:hiddenFill xmlns:a14="http://schemas.microsoft.com/office/drawing/2010/main">
+                <a:solidFill>
+                  <a:schemeClr val="accent1"/>
+                </a:solidFill>
+              </a14:hiddenFill>
+            </a:ext>
+            <a:ext uri="{91240B29-F687-4F45-9708-019B960494DF}">
+              <a14:hiddenLine xmlns:a14="http://schemas.microsoft.com/office/drawing/2010/main" w="9525">
+                <a:solidFill>
+                  <a:schemeClr val="tx1"/>
+                </a:solidFill>
+                <a:miter lim="800000"/>
+                <a:headEnd/>
+                <a:tailEnd/>
+              </a14:hiddenLine>
+            </a:ext>
+          </a:extLst>
+        </p:spPr>
+      </p:pic>
+    </p:spTree>
+    <p:extLst>
+      <p:ext uri="{BB962C8B-B14F-4D97-AF65-F5344CB8AC3E}">
+        <p14:creationId xmlns:p14="http://schemas.microsoft.com/office/powerpoint/2010/main" val="3357907810"/>
+      </p:ext>
+    </p:extLst>
+  </p:cSld>
+  <p:clrMapOvr>
+    <a:masterClrMapping/>
+  </p:clrMapOvr>
+</p:sld>
+</file>
+
+<file path=ppt/slides/slide17.xml><?xml version="1.0" encoding="utf-8"?>
+<p:sld xmlns:a="http://schemas.openxmlformats.org/drawingml/2006/main" xmlns:r="http://schemas.openxmlformats.org/officeDocument/2006/relationships" xmlns:p="http://schemas.openxmlformats.org/presentationml/2006/main">
+  <p:cSld>
+    <p:spTree>
+      <p:nvGrpSpPr>
+        <p:cNvPr id="1" name=""/>
+        <p:cNvGrpSpPr/>
+        <p:nvPr/>
+      </p:nvGrpSpPr>
+      <p:grpSpPr>
+        <a:xfrm>
+          <a:off x="0" y="0"/>
+          <a:ext cx="0" cy="0"/>
+          <a:chOff x="0" y="0"/>
+          <a:chExt cx="0" cy="0"/>
+        </a:xfrm>
+      </p:grpSpPr>
+      <p:pic>
+        <p:nvPicPr>
+          <p:cNvPr id="4098" name="Picture 2"/>
+          <p:cNvPicPr>
+            <a:picLocks noChangeAspect="1" noChangeArrowheads="1"/>
+          </p:cNvPicPr>
+          <p:nvPr/>
+        </p:nvPicPr>
+        <p:blipFill>
+          <a:blip r:embed="rId2">
+            <a:extLst>
+              <a:ext uri="{28A0092B-C50C-407E-A947-70E740481C1C}">
+                <a14:useLocalDpi xmlns:a14="http://schemas.microsoft.com/office/drawing/2010/main" val="0"/>
+              </a:ext>
+            </a:extLst>
+          </a:blip>
+          <a:srcRect/>
+          <a:stretch>
+            <a:fillRect/>
+          </a:stretch>
+        </p:blipFill>
+        <p:spPr bwMode="auto">
+          <a:xfrm>
+            <a:off x="733425" y="1271588"/>
+            <a:ext cx="7677150" cy="4314825"/>
+          </a:xfrm>
+          <a:prstGeom prst="rect">
+            <a:avLst/>
+          </a:prstGeom>
+          <a:noFill/>
+          <a:ln>
+            <a:noFill/>
+          </a:ln>
+          <a:extLst>
+            <a:ext uri="{909E8E84-426E-40DD-AFC4-6F175D3DCCD1}">
+              <a14:hiddenFill xmlns:a14="http://schemas.microsoft.com/office/drawing/2010/main">
+                <a:solidFill>
+                  <a:schemeClr val="accent1"/>
+                </a:solidFill>
+              </a14:hiddenFill>
+            </a:ext>
+            <a:ext uri="{91240B29-F687-4F45-9708-019B960494DF}">
+              <a14:hiddenLine xmlns:a14="http://schemas.microsoft.com/office/drawing/2010/main" w="9525">
+                <a:solidFill>
+                  <a:schemeClr val="tx1"/>
+                </a:solidFill>
+                <a:miter lim="800000"/>
+                <a:headEnd/>
+                <a:tailEnd/>
+              </a14:hiddenLine>
+            </a:ext>
+          </a:extLst>
+        </p:spPr>
+      </p:pic>
+    </p:spTree>
+    <p:extLst>
+      <p:ext uri="{BB962C8B-B14F-4D97-AF65-F5344CB8AC3E}">
+        <p14:creationId xmlns:p14="http://schemas.microsoft.com/office/powerpoint/2010/main" val="3357907810"/>
+      </p:ext>
+    </p:extLst>
+  </p:cSld>
+  <p:clrMapOvr>
+    <a:masterClrMapping/>
+  </p:clrMapOvr>
+</p:sld>
+</file>
+
+<file path=ppt/slides/slide18.xml><?xml version="1.0" encoding="utf-8"?>
+<p:sld xmlns:a="http://schemas.openxmlformats.org/drawingml/2006/main" xmlns:r="http://schemas.openxmlformats.org/officeDocument/2006/relationships" xmlns:p="http://schemas.openxmlformats.org/presentationml/2006/main">
+  <p:cSld>
+    <p:spTree>
+      <p:nvGrpSpPr>
+        <p:cNvPr id="1" name=""/>
+        <p:cNvGrpSpPr/>
+        <p:nvPr/>
+      </p:nvGrpSpPr>
+      <p:grpSpPr>
+        <a:xfrm>
+          <a:off x="0" y="0"/>
+          <a:ext cx="0" cy="0"/>
+          <a:chOff x="0" y="0"/>
+          <a:chExt cx="0" cy="0"/>
+        </a:xfrm>
+      </p:grpSpPr>
+      <p:pic>
+        <p:nvPicPr>
+          <p:cNvPr id="2" name="그림 1">
+            <a:extLst>
+              <a:ext uri="{FF2B5EF4-FFF2-40B4-BE49-F238E27FC236}">
+                <a16:creationId xmlns:a16="http://schemas.microsoft.com/office/drawing/2014/main" id="{EC77EA48-1DB8-430D-A4DB-B71F1A87E803}"/>
+              </a:ext>
+            </a:extLst>
+          </p:cNvPr>
+          <p:cNvPicPr>
+            <a:picLocks noChangeAspect="1"/>
+          </p:cNvPicPr>
+          <p:nvPr/>
+        </p:nvPicPr>
+        <p:blipFill>
+          <a:blip r:embed="rId2"/>
+          <a:stretch>
+            <a:fillRect/>
+          </a:stretch>
+        </p:blipFill>
+        <p:spPr>
+          <a:xfrm>
+            <a:off x="251520" y="2852936"/>
+            <a:ext cx="8166209" cy="1569517"/>
+          </a:xfrm>
+          <a:prstGeom prst="rect">
+            <a:avLst/>
+          </a:prstGeom>
+        </p:spPr>
+      </p:pic>
+    </p:spTree>
+    <p:extLst>
+      <p:ext uri="{BB962C8B-B14F-4D97-AF65-F5344CB8AC3E}">
+        <p14:creationId xmlns:p14="http://schemas.microsoft.com/office/powerpoint/2010/main" val="15174040"/>
+      </p:ext>
+    </p:extLst>
+  </p:cSld>
+  <p:clrMapOvr>
+    <a:masterClrMapping/>
+  </p:clrMapOvr>
+</p:sld>
+</file>
+
+<file path=ppt/slides/slide19.xml><?xml version="1.0" encoding="utf-8"?>
+<p:sld xmlns:a="http://schemas.openxmlformats.org/drawingml/2006/main" xmlns:r="http://schemas.openxmlformats.org/officeDocument/2006/relationships" xmlns:p="http://schemas.openxmlformats.org/presentationml/2006/main">
+  <p:cSld>
+    <p:spTree>
+      <p:nvGrpSpPr>
+        <p:cNvPr id="1" name=""/>
+        <p:cNvGrpSpPr/>
+        <p:nvPr/>
+      </p:nvGrpSpPr>
+      <p:grpSpPr>
+        <a:xfrm>
+          <a:off x="0" y="0"/>
+          <a:ext cx="0" cy="0"/>
+          <a:chOff x="0" y="0"/>
+          <a:chExt cx="0" cy="0"/>
+        </a:xfrm>
+      </p:grpSpPr>
+      <p:pic>
+        <p:nvPicPr>
+          <p:cNvPr id="2" name="그림 1">
+            <a:extLst>
+              <a:ext uri="{FF2B5EF4-FFF2-40B4-BE49-F238E27FC236}">
+                <a16:creationId xmlns:a16="http://schemas.microsoft.com/office/drawing/2014/main" id="{37D3AFE3-B8E5-4DB3-94BE-9295D9DB890E}"/>
+              </a:ext>
+            </a:extLst>
+          </p:cNvPr>
+          <p:cNvPicPr>
+            <a:picLocks noChangeAspect="1"/>
+          </p:cNvPicPr>
+          <p:nvPr/>
+        </p:nvPicPr>
+        <p:blipFill>
+          <a:blip r:embed="rId2"/>
+          <a:stretch>
+            <a:fillRect/>
+          </a:stretch>
+        </p:blipFill>
+        <p:spPr>
+          <a:xfrm>
+            <a:off x="467544" y="1169357"/>
+            <a:ext cx="7897560" cy="4347876"/>
+          </a:xfrm>
+          <a:prstGeom prst="rect">
+            <a:avLst/>
+          </a:prstGeom>
+        </p:spPr>
+      </p:pic>
+    </p:spTree>
+    <p:extLst>
+      <p:ext uri="{BB962C8B-B14F-4D97-AF65-F5344CB8AC3E}">
+        <p14:creationId xmlns:p14="http://schemas.microsoft.com/office/powerpoint/2010/main" val="419891518"/>
+      </p:ext>
+    </p:extLst>
+  </p:cSld>
+  <p:clrMapOvr>
+    <a:masterClrMapping/>
+  </p:clrMapOvr>
+</p:sld>
+</file>
+
+<file path=ppt/slides/slide2.xml><?xml version="1.0" encoding="utf-8"?>
+<p:sld xmlns:a="http://schemas.openxmlformats.org/drawingml/2006/main" xmlns:r="http://schemas.openxmlformats.org/officeDocument/2006/relationships" xmlns:p="http://schemas.openxmlformats.org/presentationml/2006/main">
+  <p:cSld>
+    <p:spTree>
+      <p:nvGrpSpPr>
+        <p:cNvPr id="1" name=""/>
+        <p:cNvGrpSpPr/>
+        <p:nvPr/>
+      </p:nvGrpSpPr>
+      <p:grpSpPr>
+        <a:xfrm>
+          <a:off x="0" y="0"/>
+          <a:ext cx="0" cy="0"/>
+          <a:chOff x="0" y="0"/>
+          <a:chExt cx="0" cy="0"/>
+        </a:xfrm>
+      </p:grpSpPr>
+      <p:pic>
+        <p:nvPicPr>
+          <p:cNvPr id="5122" name="Picture 2"/>
+          <p:cNvPicPr>
+            <a:picLocks noChangeAspect="1" noChangeArrowheads="1"/>
+          </p:cNvPicPr>
+          <p:nvPr/>
+        </p:nvPicPr>
+        <p:blipFill rotWithShape="1">
+          <a:blip r:embed="rId2">
+            <a:extLst>
+              <a:ext uri="{28A0092B-C50C-407E-A947-70E740481C1C}">
+                <a14:useLocalDpi xmlns:a14="http://schemas.microsoft.com/office/drawing/2010/main" val="0"/>
+              </a:ext>
+            </a:extLst>
+          </a:blip>
+          <a:srcRect t="20579"/>
+          <a:stretch/>
+        </p:blipFill>
+        <p:spPr bwMode="auto">
+          <a:xfrm>
+            <a:off x="838200" y="1744824"/>
+            <a:ext cx="7467600" cy="4546439"/>
+          </a:xfrm>
+          <a:prstGeom prst="rect">
+            <a:avLst/>
+          </a:prstGeom>
+          <a:noFill/>
+          <a:ln>
+            <a:noFill/>
+          </a:ln>
+          <a:extLst>
+            <a:ext uri="{909E8E84-426E-40DD-AFC4-6F175D3DCCD1}">
+              <a14:hiddenFill xmlns:a14="http://schemas.microsoft.com/office/drawing/2010/main">
+                <a:solidFill>
+                  <a:schemeClr val="accent1"/>
+                </a:solidFill>
+              </a14:hiddenFill>
+            </a:ext>
+            <a:ext uri="{91240B29-F687-4F45-9708-019B960494DF}">
+              <a14:hiddenLine xmlns:a14="http://schemas.microsoft.com/office/drawing/2010/main" w="9525">
+                <a:solidFill>
+                  <a:schemeClr val="tx1"/>
+                </a:solidFill>
+                <a:miter lim="800000"/>
+                <a:headEnd/>
+                <a:tailEnd/>
+              </a14:hiddenLine>
+            </a:ext>
+          </a:extLst>
+        </p:spPr>
+      </p:pic>
+    </p:spTree>
+    <p:extLst>
+      <p:ext uri="{BB962C8B-B14F-4D97-AF65-F5344CB8AC3E}">
+        <p14:creationId xmlns:p14="http://schemas.microsoft.com/office/powerpoint/2010/main" val="853002624"/>
+      </p:ext>
+    </p:extLst>
+  </p:cSld>
+  <p:clrMapOvr>
+    <a:masterClrMapping/>
+  </p:clrMapOvr>
+</p:sld>
+</file>
+
+<file path=ppt/slides/slide20.xml><?xml version="1.0" encoding="utf-8"?>
+<p:sld xmlns:a="http://schemas.openxmlformats.org/drawingml/2006/main" xmlns:r="http://schemas.openxmlformats.org/officeDocument/2006/relationships" xmlns:p="http://schemas.openxmlformats.org/presentationml/2006/main">
+  <p:cSld>
+    <p:spTree>
+      <p:nvGrpSpPr>
+        <p:cNvPr id="1" name=""/>
+        <p:cNvGrpSpPr/>
+        <p:nvPr/>
+      </p:nvGrpSpPr>
+      <p:grpSpPr>
+        <a:xfrm>
+          <a:off x="0" y="0"/>
+          <a:ext cx="0" cy="0"/>
+          <a:chOff x="0" y="0"/>
+          <a:chExt cx="0" cy="0"/>
+        </a:xfrm>
+      </p:grpSpPr>
+      <p:pic>
+        <p:nvPicPr>
+          <p:cNvPr id="2" name="그림 1">
+            <a:extLst>
+              <a:ext uri="{FF2B5EF4-FFF2-40B4-BE49-F238E27FC236}">
+                <a16:creationId xmlns:a16="http://schemas.microsoft.com/office/drawing/2014/main" id="{15B86957-CA13-49A0-91D4-CD219D53A196}"/>
+              </a:ext>
+            </a:extLst>
+          </p:cNvPr>
+          <p:cNvPicPr>
+            <a:picLocks noChangeAspect="1"/>
+          </p:cNvPicPr>
+          <p:nvPr/>
+        </p:nvPicPr>
+        <p:blipFill>
+          <a:blip r:embed="rId2"/>
+          <a:stretch>
+            <a:fillRect/>
+          </a:stretch>
+        </p:blipFill>
+        <p:spPr>
+          <a:xfrm>
+            <a:off x="323528" y="1023873"/>
+            <a:ext cx="8445960" cy="4781391"/>
+          </a:xfrm>
+          <a:prstGeom prst="rect">
+            <a:avLst/>
+          </a:prstGeom>
+        </p:spPr>
+      </p:pic>
+    </p:spTree>
+    <p:extLst>
+      <p:ext uri="{BB962C8B-B14F-4D97-AF65-F5344CB8AC3E}">
+        <p14:creationId xmlns:p14="http://schemas.microsoft.com/office/powerpoint/2010/main" val="2327541940"/>
+      </p:ext>
+    </p:extLst>
+  </p:cSld>
+  <p:clrMapOvr>
+    <a:masterClrMapping/>
+  </p:clrMapOvr>
+</p:sld>
+</file>
+
+<file path=ppt/slides/slide21.xml><?xml version="1.0" encoding="utf-8"?>
+<p:sld xmlns:a="http://schemas.openxmlformats.org/drawingml/2006/main" xmlns:r="http://schemas.openxmlformats.org/officeDocument/2006/relationships" xmlns:p="http://schemas.openxmlformats.org/presentationml/2006/main">
+  <p:cSld>
+    <p:spTree>
+      <p:nvGrpSpPr>
+        <p:cNvPr id="1" name=""/>
+        <p:cNvGrpSpPr/>
+        <p:nvPr/>
+      </p:nvGrpSpPr>
+      <p:grpSpPr>
+        <a:xfrm>
+          <a:off x="0" y="0"/>
+          <a:ext cx="0" cy="0"/>
+          <a:chOff x="0" y="0"/>
+          <a:chExt cx="0" cy="0"/>
+        </a:xfrm>
+      </p:grpSpPr>
+      <p:pic>
+        <p:nvPicPr>
+          <p:cNvPr id="2" name="그림 1">
+            <a:extLst>
+              <a:ext uri="{FF2B5EF4-FFF2-40B4-BE49-F238E27FC236}">
+                <a16:creationId xmlns:a16="http://schemas.microsoft.com/office/drawing/2014/main" id="{E33FDECA-3A69-4C09-B48A-265BF11F8BAF}"/>
+              </a:ext>
+            </a:extLst>
+          </p:cNvPr>
+          <p:cNvPicPr>
+            <a:picLocks noChangeAspect="1"/>
+          </p:cNvPicPr>
+          <p:nvPr/>
+        </p:nvPicPr>
+        <p:blipFill>
+          <a:blip r:embed="rId2"/>
+          <a:stretch>
+            <a:fillRect/>
+          </a:stretch>
+        </p:blipFill>
+        <p:spPr>
+          <a:xfrm>
+            <a:off x="395536" y="885831"/>
+            <a:ext cx="8280920" cy="5042489"/>
+          </a:xfrm>
+          <a:prstGeom prst="rect">
+            <a:avLst/>
+          </a:prstGeom>
+        </p:spPr>
+      </p:pic>
+    </p:spTree>
+    <p:extLst>
+      <p:ext uri="{BB962C8B-B14F-4D97-AF65-F5344CB8AC3E}">
+        <p14:creationId xmlns:p14="http://schemas.microsoft.com/office/powerpoint/2010/main" val="3357907810"/>
+      </p:ext>
+    </p:extLst>
+  </p:cSld>
+  <p:clrMapOvr>
+    <a:masterClrMapping/>
+  </p:clrMapOvr>
+</p:sld>
+</file>
+
+<file path=ppt/slides/slide22.xml><?xml version="1.0" encoding="utf-8"?>
+<p:sld xmlns:a="http://schemas.openxmlformats.org/drawingml/2006/main" xmlns:r="http://schemas.openxmlformats.org/officeDocument/2006/relationships" xmlns:p="http://schemas.openxmlformats.org/presentationml/2006/main">
+  <p:cSld>
+    <p:spTree>
+      <p:nvGrpSpPr>
+        <p:cNvPr id="1" name=""/>
+        <p:cNvGrpSpPr/>
+        <p:nvPr/>
+      </p:nvGrpSpPr>
+      <p:grpSpPr>
+        <a:xfrm>
+          <a:off x="0" y="0"/>
+          <a:ext cx="0" cy="0"/>
+          <a:chOff x="0" y="0"/>
+          <a:chExt cx="0" cy="0"/>
+        </a:xfrm>
+      </p:grpSpPr>
+      <p:pic>
+        <p:nvPicPr>
+          <p:cNvPr id="2" name="그림 1">
+            <a:extLst>
+              <a:ext uri="{FF2B5EF4-FFF2-40B4-BE49-F238E27FC236}">
+                <a16:creationId xmlns:a16="http://schemas.microsoft.com/office/drawing/2014/main" id="{2D37C4B6-6702-496D-A1B8-63CF780BE2FD}"/>
+              </a:ext>
+            </a:extLst>
+          </p:cNvPr>
+          <p:cNvPicPr>
+            <a:picLocks noChangeAspect="1"/>
+          </p:cNvPicPr>
+          <p:nvPr/>
+        </p:nvPicPr>
+        <p:blipFill>
+          <a:blip r:embed="rId2"/>
+          <a:stretch>
+            <a:fillRect/>
+          </a:stretch>
+        </p:blipFill>
+        <p:spPr>
+          <a:xfrm>
+            <a:off x="395536" y="1163799"/>
+            <a:ext cx="8208912" cy="4452292"/>
+          </a:xfrm>
+          <a:prstGeom prst="rect">
+            <a:avLst/>
+          </a:prstGeom>
+        </p:spPr>
+      </p:pic>
+    </p:spTree>
+    <p:extLst>
+      <p:ext uri="{BB962C8B-B14F-4D97-AF65-F5344CB8AC3E}">
+        <p14:creationId xmlns:p14="http://schemas.microsoft.com/office/powerpoint/2010/main" val="3357907810"/>
+      </p:ext>
+    </p:extLst>
+  </p:cSld>
+  <p:clrMapOvr>
+    <a:masterClrMapping/>
+  </p:clrMapOvr>
+</p:sld>
+</file>
+
+<file path=ppt/slides/slide23.xml><?xml version="1.0" encoding="utf-8"?>
+<p:sld xmlns:a="http://schemas.openxmlformats.org/drawingml/2006/main" xmlns:r="http://schemas.openxmlformats.org/officeDocument/2006/relationships" xmlns:p="http://schemas.openxmlformats.org/presentationml/2006/main">
+  <p:cSld>
+    <p:spTree>
+      <p:nvGrpSpPr>
+        <p:cNvPr id="1" name=""/>
+        <p:cNvGrpSpPr/>
+        <p:nvPr/>
+      </p:nvGrpSpPr>
+      <p:grpSpPr>
+        <a:xfrm>
+          <a:off x="0" y="0"/>
+          <a:ext cx="0" cy="0"/>
+          <a:chOff x="0" y="0"/>
+          <a:chExt cx="0" cy="0"/>
+        </a:xfrm>
+      </p:grpSpPr>
+      <p:pic>
+        <p:nvPicPr>
+          <p:cNvPr id="5122" name="Picture 2"/>
+          <p:cNvPicPr>
+            <a:picLocks noChangeAspect="1" noChangeArrowheads="1"/>
+          </p:cNvPicPr>
+          <p:nvPr/>
+        </p:nvPicPr>
+        <p:blipFill>
+          <a:blip r:embed="rId2">
+            <a:extLst>
+              <a:ext uri="{28A0092B-C50C-407E-A947-70E740481C1C}">
+                <a14:useLocalDpi xmlns:a14="http://schemas.microsoft.com/office/drawing/2010/main" val="0"/>
+              </a:ext>
+            </a:extLst>
+          </a:blip>
+          <a:srcRect/>
+          <a:stretch>
+            <a:fillRect/>
+          </a:stretch>
+        </p:blipFill>
+        <p:spPr bwMode="auto">
+          <a:xfrm>
+            <a:off x="442913" y="1309688"/>
+            <a:ext cx="8258175" cy="4238625"/>
+          </a:xfrm>
+          <a:prstGeom prst="rect">
+            <a:avLst/>
+          </a:prstGeom>
+          <a:noFill/>
+          <a:ln>
+            <a:noFill/>
+          </a:ln>
+          <a:extLst>
+            <a:ext uri="{909E8E84-426E-40DD-AFC4-6F175D3DCCD1}">
+              <a14:hiddenFill xmlns:a14="http://schemas.microsoft.com/office/drawing/2010/main">
+                <a:solidFill>
+                  <a:schemeClr val="accent1"/>
+                </a:solidFill>
+              </a14:hiddenFill>
+            </a:ext>
+            <a:ext uri="{91240B29-F687-4F45-9708-019B960494DF}">
+              <a14:hiddenLine xmlns:a14="http://schemas.microsoft.com/office/drawing/2010/main" w="9525">
+                <a:solidFill>
+                  <a:schemeClr val="tx1"/>
+                </a:solidFill>
+                <a:miter lim="800000"/>
+                <a:headEnd/>
+                <a:tailEnd/>
+              </a14:hiddenLine>
+            </a:ext>
+          </a:extLst>
+        </p:spPr>
+      </p:pic>
+    </p:spTree>
+    <p:extLst>
+      <p:ext uri="{BB962C8B-B14F-4D97-AF65-F5344CB8AC3E}">
+        <p14:creationId xmlns:p14="http://schemas.microsoft.com/office/powerpoint/2010/main" val="559666011"/>
+      </p:ext>
+    </p:extLst>
+  </p:cSld>
+  <p:clrMapOvr>
+    <a:masterClrMapping/>
+  </p:clrMapOvr>
+</p:sld>
+</file>
+
+<file path=ppt/slides/slide24.xml><?xml version="1.0" encoding="utf-8"?>
+<p:sld xmlns:a="http://schemas.openxmlformats.org/drawingml/2006/main" xmlns:r="http://schemas.openxmlformats.org/officeDocument/2006/relationships" xmlns:p="http://schemas.openxmlformats.org/presentationml/2006/main">
+  <p:cSld>
+    <p:spTree>
+      <p:nvGrpSpPr>
+        <p:cNvPr id="1" name=""/>
+        <p:cNvGrpSpPr/>
+        <p:nvPr/>
+      </p:nvGrpSpPr>
+      <p:grpSpPr>
+        <a:xfrm>
+          <a:off x="0" y="0"/>
+          <a:ext cx="0" cy="0"/>
+          <a:chOff x="0" y="0"/>
+          <a:chExt cx="0" cy="0"/>
+        </a:xfrm>
+      </p:grpSpPr>
+      <p:pic>
+        <p:nvPicPr>
+          <p:cNvPr id="2" name="그림 1">
+            <a:extLst>
+              <a:ext uri="{FF2B5EF4-FFF2-40B4-BE49-F238E27FC236}">
+                <a16:creationId xmlns:a16="http://schemas.microsoft.com/office/drawing/2014/main" id="{BA11E3F7-4ACA-48C6-863E-4DFC8E230AAA}"/>
+              </a:ext>
+            </a:extLst>
+          </p:cNvPr>
+          <p:cNvPicPr>
+            <a:picLocks noChangeAspect="1"/>
+          </p:cNvPicPr>
+          <p:nvPr/>
+        </p:nvPicPr>
+        <p:blipFill>
+          <a:blip r:embed="rId2"/>
+          <a:stretch>
+            <a:fillRect/>
+          </a:stretch>
+        </p:blipFill>
+        <p:spPr>
+          <a:xfrm>
+            <a:off x="467544" y="1034158"/>
+            <a:ext cx="8064896" cy="4705656"/>
+          </a:xfrm>
+          <a:prstGeom prst="rect">
+            <a:avLst/>
+          </a:prstGeom>
+        </p:spPr>
+      </p:pic>
+      <p:sp>
+        <p:nvSpPr>
+          <p:cNvPr id="3" name="직사각형 2">
+            <a:extLst>
+              <a:ext uri="{FF2B5EF4-FFF2-40B4-BE49-F238E27FC236}">
+                <a16:creationId xmlns:a16="http://schemas.microsoft.com/office/drawing/2014/main" id="{21A214C8-0F06-4D50-8A4C-E258D8845C38}"/>
+              </a:ext>
+            </a:extLst>
+          </p:cNvPr>
+          <p:cNvSpPr/>
+          <p:nvPr/>
+        </p:nvSpPr>
+        <p:spPr>
+          <a:xfrm>
+            <a:off x="3851920" y="3212976"/>
+            <a:ext cx="1224136" cy="1008112"/>
+          </a:xfrm>
+          <a:prstGeom prst="rect">
+            <a:avLst/>
+          </a:prstGeom>
+          <a:noFill/>
+          <a:ln>
+            <a:solidFill>
+              <a:srgbClr val="C00000"/>
+            </a:solidFill>
+          </a:ln>
+        </p:spPr>
+        <p:style>
+          <a:lnRef idx="2">
+            <a:schemeClr val="accent1">
+              <a:shade val="50000"/>
+            </a:schemeClr>
+          </a:lnRef>
+          <a:fillRef idx="1">
+            <a:schemeClr val="accent1"/>
+          </a:fillRef>
+          <a:effectRef idx="0">
+            <a:schemeClr val="accent1"/>
+          </a:effectRef>
+          <a:fontRef idx="minor">
+            <a:schemeClr val="lt1"/>
+          </a:fontRef>
+        </p:style>
+        <p:txBody>
+          <a:bodyPr rtlCol="0" anchor="ctr"/>
+          <a:lstStyle/>
+          <a:p>
+            <a:pPr algn="ctr"/>
+            <a:endParaRPr lang="ko-KR" altLang="en-US"/>
+          </a:p>
+        </p:txBody>
+      </p:sp>
+    </p:spTree>
+    <p:extLst>
+      <p:ext uri="{BB962C8B-B14F-4D97-AF65-F5344CB8AC3E}">
+        <p14:creationId xmlns:p14="http://schemas.microsoft.com/office/powerpoint/2010/main" val="260670302"/>
+      </p:ext>
+    </p:extLst>
+  </p:cSld>
+  <p:clrMapOvr>
+    <a:masterClrMapping/>
+  </p:clrMapOvr>
+</p:sld>
+</file>
+
+<file path=ppt/slides/slide25.xml><?xml version="1.0" encoding="utf-8"?>
+<p:sld xmlns:a="http://schemas.openxmlformats.org/drawingml/2006/main" xmlns:r="http://schemas.openxmlformats.org/officeDocument/2006/relationships" xmlns:p="http://schemas.openxmlformats.org/presentationml/2006/main">
+  <p:cSld>
+    <p:spTree>
+      <p:nvGrpSpPr>
+        <p:cNvPr id="1" name=""/>
+        <p:cNvGrpSpPr/>
+        <p:nvPr/>
+      </p:nvGrpSpPr>
+      <p:grpSpPr>
+        <a:xfrm>
+          <a:off x="0" y="0"/>
+          <a:ext cx="0" cy="0"/>
+          <a:chOff x="0" y="0"/>
+          <a:chExt cx="0" cy="0"/>
+        </a:xfrm>
+      </p:grpSpPr>
+      <p:pic>
+        <p:nvPicPr>
           <p:cNvPr id="2050" name="Picture 2"/>
           <p:cNvPicPr>
             <a:picLocks noChangeAspect="1" noChangeArrowheads="1"/>
@@ -3235,7 +4385,7 @@
 </p:sld>
 </file>
 
-<file path=ppt/slides/slide2.xml><?xml version="1.0" encoding="utf-8"?>
+<file path=ppt/slides/slide26.xml><?xml version="1.0" encoding="utf-8"?>
 <p:sld xmlns:a="http://schemas.openxmlformats.org/drawingml/2006/main" xmlns:r="http://schemas.openxmlformats.org/officeDocument/2006/relationships" xmlns:p="http://schemas.openxmlformats.org/presentationml/2006/main">
   <p:cSld>
     <p:spTree>
@@ -3254,13 +4404,13 @@
       </p:grpSpPr>
       <p:pic>
         <p:nvPicPr>
-          <p:cNvPr id="2" name="Picture 3"/>
+          <p:cNvPr id="1026" name="Picture 2"/>
           <p:cNvPicPr>
             <a:picLocks noChangeAspect="1" noChangeArrowheads="1"/>
           </p:cNvPicPr>
           <p:nvPr/>
         </p:nvPicPr>
-        <p:blipFill rotWithShape="1">
+        <p:blipFill>
           <a:blip r:embed="rId2">
             <a:extLst>
               <a:ext uri="{28A0092B-C50C-407E-A947-70E740481C1C}">
@@ -3268,13 +4418,15 @@
               </a:ext>
             </a:extLst>
           </a:blip>
-          <a:srcRect l="20625" t="14794"/>
-          <a:stretch/>
+          <a:srcRect/>
+          <a:stretch>
+            <a:fillRect/>
+          </a:stretch>
         </p:blipFill>
         <p:spPr bwMode="auto">
           <a:xfrm>
-            <a:off x="1950098" y="1894113"/>
-            <a:ext cx="7091173" cy="4408471"/>
+            <a:off x="1115616" y="1052736"/>
+            <a:ext cx="7705725" cy="5048250"/>
           </a:xfrm>
           <a:prstGeom prst="rect">
             <a:avLst/>
@@ -3304,10 +4456,292 @@
           </a:extLst>
         </p:spPr>
       </p:pic>
+      <p:pic>
+        <p:nvPicPr>
+          <p:cNvPr id="2" name="그림 1">
+            <a:extLst>
+              <a:ext uri="{FF2B5EF4-FFF2-40B4-BE49-F238E27FC236}">
+                <a16:creationId xmlns:a16="http://schemas.microsoft.com/office/drawing/2014/main" id="{9C31BCF4-3ED9-47EE-84DD-D1D0376F375F}"/>
+              </a:ext>
+            </a:extLst>
+          </p:cNvPr>
+          <p:cNvPicPr>
+            <a:picLocks noChangeAspect="1"/>
+          </p:cNvPicPr>
+          <p:nvPr/>
+        </p:nvPicPr>
+        <p:blipFill>
+          <a:blip r:embed="rId3"/>
+          <a:stretch>
+            <a:fillRect/>
+          </a:stretch>
+        </p:blipFill>
+        <p:spPr>
+          <a:xfrm>
+            <a:off x="179512" y="4293096"/>
+            <a:ext cx="1352550" cy="1162050"/>
+          </a:xfrm>
+          <a:prstGeom prst="rect">
+            <a:avLst/>
+          </a:prstGeom>
+        </p:spPr>
+      </p:pic>
     </p:spTree>
     <p:extLst>
       <p:ext uri="{BB962C8B-B14F-4D97-AF65-F5344CB8AC3E}">
-        <p14:creationId xmlns:p14="http://schemas.microsoft.com/office/powerpoint/2010/main" val="3130709901"/>
+        <p14:creationId xmlns:p14="http://schemas.microsoft.com/office/powerpoint/2010/main" val="2666130817"/>
+      </p:ext>
+    </p:extLst>
+  </p:cSld>
+  <p:clrMapOvr>
+    <a:masterClrMapping/>
+  </p:clrMapOvr>
+</p:sld>
+</file>
+
+<file path=ppt/slides/slide27.xml><?xml version="1.0" encoding="utf-8"?>
+<p:sld xmlns:a="http://schemas.openxmlformats.org/drawingml/2006/main" xmlns:r="http://schemas.openxmlformats.org/officeDocument/2006/relationships" xmlns:p="http://schemas.openxmlformats.org/presentationml/2006/main">
+  <p:cSld>
+    <p:spTree>
+      <p:nvGrpSpPr>
+        <p:cNvPr id="1" name=""/>
+        <p:cNvGrpSpPr/>
+        <p:nvPr/>
+      </p:nvGrpSpPr>
+      <p:grpSpPr>
+        <a:xfrm>
+          <a:off x="0" y="0"/>
+          <a:ext cx="0" cy="0"/>
+          <a:chOff x="0" y="0"/>
+          <a:chExt cx="0" cy="0"/>
+        </a:xfrm>
+      </p:grpSpPr>
+      <p:pic>
+        <p:nvPicPr>
+          <p:cNvPr id="4098" name="Picture 2"/>
+          <p:cNvPicPr>
+            <a:picLocks noChangeAspect="1" noChangeArrowheads="1"/>
+          </p:cNvPicPr>
+          <p:nvPr/>
+        </p:nvPicPr>
+        <p:blipFill>
+          <a:blip r:embed="rId2">
+            <a:extLst>
+              <a:ext uri="{28A0092B-C50C-407E-A947-70E740481C1C}">
+                <a14:useLocalDpi xmlns:a14="http://schemas.microsoft.com/office/drawing/2010/main" val="0"/>
+              </a:ext>
+            </a:extLst>
+          </a:blip>
+          <a:srcRect/>
+          <a:stretch>
+            <a:fillRect/>
+          </a:stretch>
+        </p:blipFill>
+        <p:spPr bwMode="auto">
+          <a:xfrm>
+            <a:off x="390525" y="900113"/>
+            <a:ext cx="8362950" cy="5057775"/>
+          </a:xfrm>
+          <a:prstGeom prst="rect">
+            <a:avLst/>
+          </a:prstGeom>
+          <a:noFill/>
+          <a:ln>
+            <a:noFill/>
+          </a:ln>
+          <a:extLst>
+            <a:ext uri="{909E8E84-426E-40DD-AFC4-6F175D3DCCD1}">
+              <a14:hiddenFill xmlns:a14="http://schemas.microsoft.com/office/drawing/2010/main">
+                <a:solidFill>
+                  <a:schemeClr val="accent1"/>
+                </a:solidFill>
+              </a14:hiddenFill>
+            </a:ext>
+            <a:ext uri="{91240B29-F687-4F45-9708-019B960494DF}">
+              <a14:hiddenLine xmlns:a14="http://schemas.microsoft.com/office/drawing/2010/main" w="9525">
+                <a:solidFill>
+                  <a:schemeClr val="tx1"/>
+                </a:solidFill>
+                <a:miter lim="800000"/>
+                <a:headEnd/>
+                <a:tailEnd/>
+              </a14:hiddenLine>
+            </a:ext>
+          </a:extLst>
+        </p:spPr>
+      </p:pic>
+    </p:spTree>
+    <p:extLst>
+      <p:ext uri="{BB962C8B-B14F-4D97-AF65-F5344CB8AC3E}">
+        <p14:creationId xmlns:p14="http://schemas.microsoft.com/office/powerpoint/2010/main" val="617013306"/>
+      </p:ext>
+    </p:extLst>
+  </p:cSld>
+  <p:clrMapOvr>
+    <a:masterClrMapping/>
+  </p:clrMapOvr>
+</p:sld>
+</file>
+
+<file path=ppt/slides/slide28.xml><?xml version="1.0" encoding="utf-8"?>
+<p:sld xmlns:a="http://schemas.openxmlformats.org/drawingml/2006/main" xmlns:r="http://schemas.openxmlformats.org/officeDocument/2006/relationships" xmlns:p="http://schemas.openxmlformats.org/presentationml/2006/main">
+  <p:cSld>
+    <p:spTree>
+      <p:nvGrpSpPr>
+        <p:cNvPr id="1" name=""/>
+        <p:cNvGrpSpPr/>
+        <p:nvPr/>
+      </p:nvGrpSpPr>
+      <p:grpSpPr>
+        <a:xfrm>
+          <a:off x="0" y="0"/>
+          <a:ext cx="0" cy="0"/>
+          <a:chOff x="0" y="0"/>
+          <a:chExt cx="0" cy="0"/>
+        </a:xfrm>
+      </p:grpSpPr>
+      <p:pic>
+        <p:nvPicPr>
+          <p:cNvPr id="6146" name="Picture 2"/>
+          <p:cNvPicPr>
+            <a:picLocks noChangeAspect="1" noChangeArrowheads="1"/>
+          </p:cNvPicPr>
+          <p:nvPr/>
+        </p:nvPicPr>
+        <p:blipFill>
+          <a:blip r:embed="rId2">
+            <a:extLst>
+              <a:ext uri="{28A0092B-C50C-407E-A947-70E740481C1C}">
+                <a14:useLocalDpi xmlns:a14="http://schemas.microsoft.com/office/drawing/2010/main" val="0"/>
+              </a:ext>
+            </a:extLst>
+          </a:blip>
+          <a:srcRect/>
+          <a:stretch>
+            <a:fillRect/>
+          </a:stretch>
+        </p:blipFill>
+        <p:spPr bwMode="auto">
+          <a:xfrm>
+            <a:off x="509587" y="1988840"/>
+            <a:ext cx="8124825" cy="4229100"/>
+          </a:xfrm>
+          <a:prstGeom prst="rect">
+            <a:avLst/>
+          </a:prstGeom>
+          <a:noFill/>
+          <a:ln>
+            <a:noFill/>
+          </a:ln>
+          <a:extLst>
+            <a:ext uri="{909E8E84-426E-40DD-AFC4-6F175D3DCCD1}">
+              <a14:hiddenFill xmlns:a14="http://schemas.microsoft.com/office/drawing/2010/main">
+                <a:solidFill>
+                  <a:schemeClr val="accent1"/>
+                </a:solidFill>
+              </a14:hiddenFill>
+            </a:ext>
+            <a:ext uri="{91240B29-F687-4F45-9708-019B960494DF}">
+              <a14:hiddenLine xmlns:a14="http://schemas.microsoft.com/office/drawing/2010/main" w="9525">
+                <a:solidFill>
+                  <a:schemeClr val="tx1"/>
+                </a:solidFill>
+                <a:miter lim="800000"/>
+                <a:headEnd/>
+                <a:tailEnd/>
+              </a14:hiddenLine>
+            </a:ext>
+          </a:extLst>
+        </p:spPr>
+      </p:pic>
+    </p:spTree>
+    <p:extLst>
+      <p:ext uri="{BB962C8B-B14F-4D97-AF65-F5344CB8AC3E}">
+        <p14:creationId xmlns:p14="http://schemas.microsoft.com/office/powerpoint/2010/main" val="3357907810"/>
+      </p:ext>
+    </p:extLst>
+  </p:cSld>
+  <p:clrMapOvr>
+    <a:masterClrMapping/>
+  </p:clrMapOvr>
+</p:sld>
+</file>
+
+<file path=ppt/slides/slide29.xml><?xml version="1.0" encoding="utf-8"?>
+<p:sld xmlns:a="http://schemas.openxmlformats.org/drawingml/2006/main" xmlns:r="http://schemas.openxmlformats.org/officeDocument/2006/relationships" xmlns:p="http://schemas.openxmlformats.org/presentationml/2006/main">
+  <p:cSld>
+    <p:spTree>
+      <p:nvGrpSpPr>
+        <p:cNvPr id="1" name=""/>
+        <p:cNvGrpSpPr/>
+        <p:nvPr/>
+      </p:nvGrpSpPr>
+      <p:grpSpPr>
+        <a:xfrm>
+          <a:off x="0" y="0"/>
+          <a:ext cx="0" cy="0"/>
+          <a:chOff x="0" y="0"/>
+          <a:chExt cx="0" cy="0"/>
+        </a:xfrm>
+      </p:grpSpPr>
+      <p:pic>
+        <p:nvPicPr>
+          <p:cNvPr id="7170" name="Picture 2"/>
+          <p:cNvPicPr>
+            <a:picLocks noChangeAspect="1" noChangeArrowheads="1"/>
+          </p:cNvPicPr>
+          <p:nvPr/>
+        </p:nvPicPr>
+        <p:blipFill>
+          <a:blip r:embed="rId2">
+            <a:extLst>
+              <a:ext uri="{28A0092B-C50C-407E-A947-70E740481C1C}">
+                <a14:useLocalDpi xmlns:a14="http://schemas.microsoft.com/office/drawing/2010/main" val="0"/>
+              </a:ext>
+            </a:extLst>
+          </a:blip>
+          <a:srcRect/>
+          <a:stretch>
+            <a:fillRect/>
+          </a:stretch>
+        </p:blipFill>
+        <p:spPr bwMode="auto">
+          <a:xfrm>
+            <a:off x="809625" y="1166813"/>
+            <a:ext cx="7524750" cy="4524375"/>
+          </a:xfrm>
+          <a:prstGeom prst="rect">
+            <a:avLst/>
+          </a:prstGeom>
+          <a:noFill/>
+          <a:ln>
+            <a:noFill/>
+          </a:ln>
+          <a:extLst>
+            <a:ext uri="{909E8E84-426E-40DD-AFC4-6F175D3DCCD1}">
+              <a14:hiddenFill xmlns:a14="http://schemas.microsoft.com/office/drawing/2010/main">
+                <a:solidFill>
+                  <a:schemeClr val="accent1"/>
+                </a:solidFill>
+              </a14:hiddenFill>
+            </a:ext>
+            <a:ext uri="{91240B29-F687-4F45-9708-019B960494DF}">
+              <a14:hiddenLine xmlns:a14="http://schemas.microsoft.com/office/drawing/2010/main" w="9525">
+                <a:solidFill>
+                  <a:schemeClr val="tx1"/>
+                </a:solidFill>
+                <a:miter lim="800000"/>
+                <a:headEnd/>
+                <a:tailEnd/>
+              </a14:hiddenLine>
+            </a:ext>
+          </a:extLst>
+        </p:spPr>
+      </p:pic>
+    </p:spTree>
+    <p:extLst>
+      <p:ext uri="{BB962C8B-B14F-4D97-AF65-F5344CB8AC3E}">
+        <p14:creationId xmlns:p14="http://schemas.microsoft.com/office/powerpoint/2010/main" val="3357907810"/>
       </p:ext>
     </p:extLst>
   </p:cSld>
@@ -3336,7 +4770,7 @@
       </p:grpSpPr>
       <p:pic>
         <p:nvPicPr>
-          <p:cNvPr id="2" name="Picture 3"/>
+          <p:cNvPr id="6146" name="Picture 2"/>
           <p:cNvPicPr>
             <a:picLocks noChangeAspect="1" noChangeArrowheads="1"/>
           </p:cNvPicPr>
@@ -3350,13 +4784,13 @@
               </a:ext>
             </a:extLst>
           </a:blip>
-          <a:srcRect t="21939"/>
+          <a:srcRect t="24823"/>
           <a:stretch/>
         </p:blipFill>
         <p:spPr bwMode="auto">
           <a:xfrm>
-            <a:off x="214313" y="2146040"/>
-            <a:ext cx="8715375" cy="3568959"/>
+            <a:off x="914400" y="2146041"/>
+            <a:ext cx="7315200" cy="3830897"/>
           </a:xfrm>
           <a:prstGeom prst="rect">
             <a:avLst/>
@@ -3389,7 +4823,7 @@
     </p:spTree>
     <p:extLst>
       <p:ext uri="{BB962C8B-B14F-4D97-AF65-F5344CB8AC3E}">
-        <p14:creationId xmlns:p14="http://schemas.microsoft.com/office/powerpoint/2010/main" val="3130709901"/>
+        <p14:creationId xmlns:p14="http://schemas.microsoft.com/office/powerpoint/2010/main" val="3113957619"/>
       </p:ext>
     </p:extLst>
   </p:cSld>
@@ -3399,7 +4833,7 @@
 </p:sld>
 </file>
 
-<file path=ppt/slides/slide4.xml><?xml version="1.0" encoding="utf-8"?>
+<file path=ppt/slides/slide30.xml><?xml version="1.0" encoding="utf-8"?>
 <p:sld xmlns:a="http://schemas.openxmlformats.org/drawingml/2006/main" xmlns:r="http://schemas.openxmlformats.org/officeDocument/2006/relationships" xmlns:p="http://schemas.openxmlformats.org/presentationml/2006/main">
   <p:cSld>
     <p:spTree>
@@ -3418,13 +4852,13 @@
       </p:grpSpPr>
       <p:pic>
         <p:nvPicPr>
-          <p:cNvPr id="2" name="Picture 3"/>
+          <p:cNvPr id="2050" name="Picture 2"/>
           <p:cNvPicPr>
             <a:picLocks noChangeAspect="1" noChangeArrowheads="1"/>
           </p:cNvPicPr>
           <p:nvPr/>
         </p:nvPicPr>
-        <p:blipFill rotWithShape="1">
+        <p:blipFill>
           <a:blip r:embed="rId2">
             <a:extLst>
               <a:ext uri="{28A0092B-C50C-407E-A947-70E740481C1C}">
@@ -3432,13 +4866,15 @@
               </a:ext>
             </a:extLst>
           </a:blip>
-          <a:srcRect t="21644"/>
-          <a:stretch/>
+          <a:srcRect/>
+          <a:stretch>
+            <a:fillRect/>
+          </a:stretch>
         </p:blipFill>
         <p:spPr bwMode="auto">
           <a:xfrm>
-            <a:off x="214313" y="2146041"/>
-            <a:ext cx="8715375" cy="3545147"/>
+            <a:off x="1133475" y="1343025"/>
+            <a:ext cx="6877050" cy="4171950"/>
           </a:xfrm>
           <a:prstGeom prst="rect">
             <a:avLst/>
@@ -3471,7 +4907,7 @@
     </p:spTree>
     <p:extLst>
       <p:ext uri="{BB962C8B-B14F-4D97-AF65-F5344CB8AC3E}">
-        <p14:creationId xmlns:p14="http://schemas.microsoft.com/office/powerpoint/2010/main" val="3130709901"/>
+        <p14:creationId xmlns:p14="http://schemas.microsoft.com/office/powerpoint/2010/main" val="3793300853"/>
       </p:ext>
     </p:extLst>
   </p:cSld>
@@ -3481,7 +4917,7 @@
 </p:sld>
 </file>
 
-<file path=ppt/slides/slide5.xml><?xml version="1.0" encoding="utf-8"?>
+<file path=ppt/slides/slide31.xml><?xml version="1.0" encoding="utf-8"?>
 <p:sld xmlns:a="http://schemas.openxmlformats.org/drawingml/2006/main" xmlns:r="http://schemas.openxmlformats.org/officeDocument/2006/relationships" xmlns:p="http://schemas.openxmlformats.org/presentationml/2006/main">
   <p:cSld>
     <p:spTree>
@@ -3500,13 +4936,13 @@
       </p:grpSpPr>
       <p:pic>
         <p:nvPicPr>
-          <p:cNvPr id="2" name="Picture 3"/>
+          <p:cNvPr id="3074" name="Picture 2"/>
           <p:cNvPicPr>
             <a:picLocks noChangeAspect="1" noChangeArrowheads="1"/>
           </p:cNvPicPr>
           <p:nvPr/>
         </p:nvPicPr>
-        <p:blipFill rotWithShape="1">
+        <p:blipFill>
           <a:blip r:embed="rId2">
             <a:extLst>
               <a:ext uri="{28A0092B-C50C-407E-A947-70E740481C1C}">
@@ -3514,13 +4950,15 @@
               </a:ext>
             </a:extLst>
           </a:blip>
-          <a:srcRect t="19739"/>
-          <a:stretch/>
+          <a:srcRect/>
+          <a:stretch>
+            <a:fillRect/>
+          </a:stretch>
         </p:blipFill>
         <p:spPr bwMode="auto">
           <a:xfrm>
-            <a:off x="171450" y="2071396"/>
-            <a:ext cx="8801100" cy="3600742"/>
+            <a:off x="681038" y="1323975"/>
+            <a:ext cx="7781925" cy="4210050"/>
           </a:xfrm>
           <a:prstGeom prst="rect">
             <a:avLst/>
@@ -3553,7 +4991,7 @@
     </p:spTree>
     <p:extLst>
       <p:ext uri="{BB962C8B-B14F-4D97-AF65-F5344CB8AC3E}">
-        <p14:creationId xmlns:p14="http://schemas.microsoft.com/office/powerpoint/2010/main" val="2272248855"/>
+        <p14:creationId xmlns:p14="http://schemas.microsoft.com/office/powerpoint/2010/main" val="3793300853"/>
       </p:ext>
     </p:extLst>
   </p:cSld>
@@ -3563,7 +5001,7 @@
 </p:sld>
 </file>
 
-<file path=ppt/slides/slide6.xml><?xml version="1.0" encoding="utf-8"?>
+<file path=ppt/slides/slide32.xml><?xml version="1.0" encoding="utf-8"?>
 <p:sld xmlns:a="http://schemas.openxmlformats.org/drawingml/2006/main" xmlns:r="http://schemas.openxmlformats.org/officeDocument/2006/relationships" xmlns:p="http://schemas.openxmlformats.org/presentationml/2006/main">
   <p:cSld>
     <p:spTree>
@@ -3582,13 +5020,13 @@
       </p:grpSpPr>
       <p:pic>
         <p:nvPicPr>
-          <p:cNvPr id="7171" name="Picture 3"/>
+          <p:cNvPr id="1026" name="Picture 2"/>
           <p:cNvPicPr>
             <a:picLocks noChangeAspect="1" noChangeArrowheads="1"/>
           </p:cNvPicPr>
           <p:nvPr/>
         </p:nvPicPr>
-        <p:blipFill rotWithShape="1">
+        <p:blipFill>
           <a:blip r:embed="rId2">
             <a:extLst>
               <a:ext uri="{28A0092B-C50C-407E-A947-70E740481C1C}">
@@ -3596,13 +5034,15 @@
               </a:ext>
             </a:extLst>
           </a:blip>
-          <a:srcRect t="25672"/>
-          <a:stretch/>
+          <a:srcRect/>
+          <a:stretch>
+            <a:fillRect/>
+          </a:stretch>
         </p:blipFill>
         <p:spPr bwMode="auto">
           <a:xfrm>
-            <a:off x="600075" y="2379306"/>
-            <a:ext cx="7943850" cy="3207107"/>
+            <a:off x="500063" y="1576388"/>
+            <a:ext cx="8143875" cy="3705225"/>
           </a:xfrm>
           <a:prstGeom prst="rect">
             <a:avLst/>
@@ -3635,7 +5075,7 @@
     </p:spTree>
     <p:extLst>
       <p:ext uri="{BB962C8B-B14F-4D97-AF65-F5344CB8AC3E}">
-        <p14:creationId xmlns:p14="http://schemas.microsoft.com/office/powerpoint/2010/main" val="3008452598"/>
+        <p14:creationId xmlns:p14="http://schemas.microsoft.com/office/powerpoint/2010/main" val="4050475481"/>
       </p:ext>
     </p:extLst>
   </p:cSld>
@@ -3645,7 +5085,7 @@
 </p:sld>
 </file>
 
-<file path=ppt/slides/slide7.xml><?xml version="1.0" encoding="utf-8"?>
+<file path=ppt/slides/slide4.xml><?xml version="1.0" encoding="utf-8"?>
 <p:sld xmlns:a="http://schemas.openxmlformats.org/drawingml/2006/main" xmlns:r="http://schemas.openxmlformats.org/officeDocument/2006/relationships" xmlns:p="http://schemas.openxmlformats.org/presentationml/2006/main">
   <p:cSld>
     <p:spTree>
@@ -3727,7 +5167,89 @@
 </p:sld>
 </file>
 
-<file path=ppt/slides/slide8.xml><?xml version="1.0" encoding="utf-8"?>
+<file path=ppt/slides/slide5.xml><?xml version="1.0" encoding="utf-8"?>
+<p:sld xmlns:a="http://schemas.openxmlformats.org/drawingml/2006/main" xmlns:r="http://schemas.openxmlformats.org/officeDocument/2006/relationships" xmlns:p="http://schemas.openxmlformats.org/presentationml/2006/main">
+  <p:cSld>
+    <p:spTree>
+      <p:nvGrpSpPr>
+        <p:cNvPr id="1" name=""/>
+        <p:cNvGrpSpPr/>
+        <p:nvPr/>
+      </p:nvGrpSpPr>
+      <p:grpSpPr>
+        <a:xfrm>
+          <a:off x="0" y="0"/>
+          <a:ext cx="0" cy="0"/>
+          <a:chOff x="0" y="0"/>
+          <a:chExt cx="0" cy="0"/>
+        </a:xfrm>
+      </p:grpSpPr>
+      <p:pic>
+        <p:nvPicPr>
+          <p:cNvPr id="8194" name="Picture 2"/>
+          <p:cNvPicPr>
+            <a:picLocks noChangeAspect="1" noChangeArrowheads="1"/>
+          </p:cNvPicPr>
+          <p:nvPr/>
+        </p:nvPicPr>
+        <p:blipFill rotWithShape="1">
+          <a:blip r:embed="rId2">
+            <a:extLst>
+              <a:ext uri="{28A0092B-C50C-407E-A947-70E740481C1C}">
+                <a14:useLocalDpi xmlns:a14="http://schemas.microsoft.com/office/drawing/2010/main" val="0"/>
+              </a:ext>
+            </a:extLst>
+          </a:blip>
+          <a:srcRect t="21625"/>
+          <a:stretch/>
+        </p:blipFill>
+        <p:spPr bwMode="auto">
+          <a:xfrm>
+            <a:off x="785813" y="1912776"/>
+            <a:ext cx="7572375" cy="4187987"/>
+          </a:xfrm>
+          <a:prstGeom prst="rect">
+            <a:avLst/>
+          </a:prstGeom>
+          <a:noFill/>
+          <a:ln>
+            <a:noFill/>
+          </a:ln>
+          <a:extLst>
+            <a:ext uri="{909E8E84-426E-40DD-AFC4-6F175D3DCCD1}">
+              <a14:hiddenFill xmlns:a14="http://schemas.microsoft.com/office/drawing/2010/main">
+                <a:solidFill>
+                  <a:schemeClr val="accent1"/>
+                </a:solidFill>
+              </a14:hiddenFill>
+            </a:ext>
+            <a:ext uri="{91240B29-F687-4F45-9708-019B960494DF}">
+              <a14:hiddenLine xmlns:a14="http://schemas.microsoft.com/office/drawing/2010/main" w="9525">
+                <a:solidFill>
+                  <a:schemeClr val="tx1"/>
+                </a:solidFill>
+                <a:miter lim="800000"/>
+                <a:headEnd/>
+                <a:tailEnd/>
+              </a14:hiddenLine>
+            </a:ext>
+          </a:extLst>
+        </p:spPr>
+      </p:pic>
+    </p:spTree>
+    <p:extLst>
+      <p:ext uri="{BB962C8B-B14F-4D97-AF65-F5344CB8AC3E}">
+        <p14:creationId xmlns:p14="http://schemas.microsoft.com/office/powerpoint/2010/main" val="853002624"/>
+      </p:ext>
+    </p:extLst>
+  </p:cSld>
+  <p:clrMapOvr>
+    <a:masterClrMapping/>
+  </p:clrMapOvr>
+</p:sld>
+</file>
+
+<file path=ppt/slides/slide6.xml><?xml version="1.0" encoding="utf-8"?>
 <p:sld xmlns:a="http://schemas.openxmlformats.org/drawingml/2006/main" xmlns:r="http://schemas.openxmlformats.org/officeDocument/2006/relationships" xmlns:p="http://schemas.openxmlformats.org/presentationml/2006/main">
   <p:cSld>
     <p:spTree>
@@ -3811,6 +5333,170 @@
 </p:sld>
 </file>
 
+<file path=ppt/slides/slide7.xml><?xml version="1.0" encoding="utf-8"?>
+<p:sld xmlns:a="http://schemas.openxmlformats.org/drawingml/2006/main" xmlns:r="http://schemas.openxmlformats.org/officeDocument/2006/relationships" xmlns:p="http://schemas.openxmlformats.org/presentationml/2006/main">
+  <p:cSld>
+    <p:spTree>
+      <p:nvGrpSpPr>
+        <p:cNvPr id="1" name=""/>
+        <p:cNvGrpSpPr/>
+        <p:nvPr/>
+      </p:nvGrpSpPr>
+      <p:grpSpPr>
+        <a:xfrm>
+          <a:off x="0" y="0"/>
+          <a:ext cx="0" cy="0"/>
+          <a:chOff x="0" y="0"/>
+          <a:chExt cx="0" cy="0"/>
+        </a:xfrm>
+      </p:grpSpPr>
+      <p:pic>
+        <p:nvPicPr>
+          <p:cNvPr id="2" name="Picture 3"/>
+          <p:cNvPicPr>
+            <a:picLocks noChangeAspect="1" noChangeArrowheads="1"/>
+          </p:cNvPicPr>
+          <p:nvPr/>
+        </p:nvPicPr>
+        <p:blipFill rotWithShape="1">
+          <a:blip r:embed="rId2">
+            <a:extLst>
+              <a:ext uri="{28A0092B-C50C-407E-A947-70E740481C1C}">
+                <a14:useLocalDpi xmlns:a14="http://schemas.microsoft.com/office/drawing/2010/main" val="0"/>
+              </a:ext>
+            </a:extLst>
+          </a:blip>
+          <a:srcRect l="28383" t="14794" r="15245"/>
+          <a:stretch/>
+        </p:blipFill>
+        <p:spPr bwMode="auto">
+          <a:xfrm>
+            <a:off x="971600" y="277377"/>
+            <a:ext cx="7200800" cy="6303245"/>
+          </a:xfrm>
+          <a:prstGeom prst="rect">
+            <a:avLst/>
+          </a:prstGeom>
+          <a:noFill/>
+          <a:ln>
+            <a:noFill/>
+          </a:ln>
+          <a:extLst>
+            <a:ext uri="{909E8E84-426E-40DD-AFC4-6F175D3DCCD1}">
+              <a14:hiddenFill xmlns:a14="http://schemas.microsoft.com/office/drawing/2010/main">
+                <a:solidFill>
+                  <a:schemeClr val="accent1"/>
+                </a:solidFill>
+              </a14:hiddenFill>
+            </a:ext>
+            <a:ext uri="{91240B29-F687-4F45-9708-019B960494DF}">
+              <a14:hiddenLine xmlns:a14="http://schemas.microsoft.com/office/drawing/2010/main" w="9525">
+                <a:solidFill>
+                  <a:schemeClr val="tx1"/>
+                </a:solidFill>
+                <a:miter lim="800000"/>
+                <a:headEnd/>
+                <a:tailEnd/>
+              </a14:hiddenLine>
+            </a:ext>
+          </a:extLst>
+        </p:spPr>
+      </p:pic>
+    </p:spTree>
+    <p:extLst>
+      <p:ext uri="{BB962C8B-B14F-4D97-AF65-F5344CB8AC3E}">
+        <p14:creationId xmlns:p14="http://schemas.microsoft.com/office/powerpoint/2010/main" val="3130709901"/>
+      </p:ext>
+    </p:extLst>
+  </p:cSld>
+  <p:clrMapOvr>
+    <a:masterClrMapping/>
+  </p:clrMapOvr>
+</p:sld>
+</file>
+
+<file path=ppt/slides/slide8.xml><?xml version="1.0" encoding="utf-8"?>
+<p:sld xmlns:a="http://schemas.openxmlformats.org/drawingml/2006/main" xmlns:r="http://schemas.openxmlformats.org/officeDocument/2006/relationships" xmlns:p="http://schemas.openxmlformats.org/presentationml/2006/main">
+  <p:cSld>
+    <p:spTree>
+      <p:nvGrpSpPr>
+        <p:cNvPr id="1" name=""/>
+        <p:cNvGrpSpPr/>
+        <p:nvPr/>
+      </p:nvGrpSpPr>
+      <p:grpSpPr>
+        <a:xfrm>
+          <a:off x="0" y="0"/>
+          <a:ext cx="0" cy="0"/>
+          <a:chOff x="0" y="0"/>
+          <a:chExt cx="0" cy="0"/>
+        </a:xfrm>
+      </p:grpSpPr>
+      <p:pic>
+        <p:nvPicPr>
+          <p:cNvPr id="2" name="Picture 3"/>
+          <p:cNvPicPr>
+            <a:picLocks noChangeAspect="1" noChangeArrowheads="1"/>
+          </p:cNvPicPr>
+          <p:nvPr/>
+        </p:nvPicPr>
+        <p:blipFill rotWithShape="1">
+          <a:blip r:embed="rId2">
+            <a:extLst>
+              <a:ext uri="{28A0092B-C50C-407E-A947-70E740481C1C}">
+                <a14:useLocalDpi xmlns:a14="http://schemas.microsoft.com/office/drawing/2010/main" val="0"/>
+              </a:ext>
+            </a:extLst>
+          </a:blip>
+          <a:srcRect t="21939"/>
+          <a:stretch/>
+        </p:blipFill>
+        <p:spPr bwMode="auto">
+          <a:xfrm>
+            <a:off x="214313" y="2146040"/>
+            <a:ext cx="8715375" cy="3568959"/>
+          </a:xfrm>
+          <a:prstGeom prst="rect">
+            <a:avLst/>
+          </a:prstGeom>
+          <a:noFill/>
+          <a:ln>
+            <a:noFill/>
+          </a:ln>
+          <a:extLst>
+            <a:ext uri="{909E8E84-426E-40DD-AFC4-6F175D3DCCD1}">
+              <a14:hiddenFill xmlns:a14="http://schemas.microsoft.com/office/drawing/2010/main">
+                <a:solidFill>
+                  <a:schemeClr val="accent1"/>
+                </a:solidFill>
+              </a14:hiddenFill>
+            </a:ext>
+            <a:ext uri="{91240B29-F687-4F45-9708-019B960494DF}">
+              <a14:hiddenLine xmlns:a14="http://schemas.microsoft.com/office/drawing/2010/main" w="9525">
+                <a:solidFill>
+                  <a:schemeClr val="tx1"/>
+                </a:solidFill>
+                <a:miter lim="800000"/>
+                <a:headEnd/>
+                <a:tailEnd/>
+              </a14:hiddenLine>
+            </a:ext>
+          </a:extLst>
+        </p:spPr>
+      </p:pic>
+    </p:spTree>
+    <p:extLst>
+      <p:ext uri="{BB962C8B-B14F-4D97-AF65-F5344CB8AC3E}">
+        <p14:creationId xmlns:p14="http://schemas.microsoft.com/office/powerpoint/2010/main" val="3130709901"/>
+      </p:ext>
+    </p:extLst>
+  </p:cSld>
+  <p:clrMapOvr>
+    <a:masterClrMapping/>
+  </p:clrMapOvr>
+</p:sld>
+</file>
+
 <file path=ppt/slides/slide9.xml><?xml version="1.0" encoding="utf-8"?>
 <p:sld xmlns:a="http://schemas.openxmlformats.org/drawingml/2006/main" xmlns:r="http://schemas.openxmlformats.org/officeDocument/2006/relationships" xmlns:p="http://schemas.openxmlformats.org/presentationml/2006/main">
   <p:cSld>
@@ -3830,13 +5516,13 @@
       </p:grpSpPr>
       <p:pic>
         <p:nvPicPr>
-          <p:cNvPr id="1026" name="Picture 2"/>
+          <p:cNvPr id="2" name="Picture 3"/>
           <p:cNvPicPr>
             <a:picLocks noChangeAspect="1" noChangeArrowheads="1"/>
           </p:cNvPicPr>
           <p:nvPr/>
         </p:nvPicPr>
-        <p:blipFill>
+        <p:blipFill rotWithShape="1">
           <a:blip r:embed="rId2">
             <a:extLst>
               <a:ext uri="{28A0092B-C50C-407E-A947-70E740481C1C}">
@@ -3844,15 +5530,13 @@
               </a:ext>
             </a:extLst>
           </a:blip>
-          <a:srcRect/>
-          <a:stretch>
-            <a:fillRect/>
-          </a:stretch>
+          <a:srcRect t="21644"/>
+          <a:stretch/>
         </p:blipFill>
         <p:spPr bwMode="auto">
           <a:xfrm>
-            <a:off x="719138" y="904875"/>
-            <a:ext cx="7705725" cy="5048250"/>
+            <a:off x="214313" y="2146041"/>
+            <a:ext cx="8715375" cy="3545147"/>
           </a:xfrm>
           <a:prstGeom prst="rect">
             <a:avLst/>
@@ -3885,7 +5569,7 @@
     </p:spTree>
     <p:extLst>
       <p:ext uri="{BB962C8B-B14F-4D97-AF65-F5344CB8AC3E}">
-        <p14:creationId xmlns:p14="http://schemas.microsoft.com/office/powerpoint/2010/main" val="2666130817"/>
+        <p14:creationId xmlns:p14="http://schemas.microsoft.com/office/powerpoint/2010/main" val="3130709901"/>
       </p:ext>
     </p:extLst>
   </p:cSld>
